--- a/FT-flowchart.pptx
+++ b/FT-flowchart.pptx
@@ -104,6 +104,11 @@
       </a:defRPr>
     </a:lvl9pPr>
   </p:defaultTextStyle>
+  <p:extLst>
+    <p:ext uri="{EFAFB233-063F-42B5-8137-9DF3F51BA10A}">
+      <p15:sldGuideLst xmlns:p15="http://schemas.microsoft.com/office/powerpoint/2012/main"/>
+    </p:ext>
+  </p:extLst>
 </p:presentation>
 </file>
 
@@ -3356,7 +3361,7 @@
         </p:nvSpPr>
         <p:spPr>
           <a:xfrm>
-            <a:off x="824206" y="1680279"/>
+            <a:off x="113467" y="1600615"/>
             <a:ext cx="1576093" cy="975822"/>
           </a:xfrm>
           <a:prstGeom prst="flowChartProcess">
@@ -3442,8 +3447,8 @@
         </p:nvSpPr>
         <p:spPr>
           <a:xfrm>
-            <a:off x="5553732" y="1517442"/>
-            <a:ext cx="2107831" cy="1911558"/>
+            <a:off x="8205742" y="3429000"/>
+            <a:ext cx="2372701" cy="1089590"/>
           </a:xfrm>
           <a:prstGeom prst="flowChartProcess">
             <a:avLst/>
@@ -3511,57 +3516,21 @@
               <a:buChar char="•"/>
             </a:pPr>
             <a:r>
+              <a:rPr lang="en-US" sz="1200" dirty="0" err="1"/>
+              <a:t>ExerciseLogs</a:t>
+            </a:r>
+            <a:r>
               <a:rPr lang="en-US" sz="1200" dirty="0"/>
-              <a:t>Exercises[]</a:t>
-            </a:r>
-          </a:p>
-          <a:p>
-            <a:pPr marL="628650" lvl="1" indent="-171450">
-              <a:buFont typeface="Arial" panose="020B0604020202020204" pitchFamily="34" charset="0"/>
-              <a:buChar char="•"/>
-            </a:pPr>
+              <a:t>[</a:t>
+            </a:r>
+            <a:r>
+              <a:rPr lang="en-US" sz="1200" dirty="0" err="1"/>
+              <a:t>WorkoutDetails</a:t>
+            </a:r>
             <a:r>
               <a:rPr lang="en-US" sz="1200" dirty="0"/>
-              <a:t>{ </a:t>
-            </a:r>
-            <a:r>
-              <a:rPr lang="en-US" sz="1200" dirty="0" err="1"/>
-              <a:t>ExerciseName</a:t>
-            </a:r>
-            <a:endParaRPr lang="en-US" sz="1200" dirty="0"/>
-          </a:p>
-          <a:p>
-            <a:pPr marL="628650" lvl="1" indent="-171450">
-              <a:buFont typeface="Arial" panose="020B0604020202020204" pitchFamily="34" charset="0"/>
-              <a:buChar char="•"/>
-            </a:pPr>
-            <a:r>
-              <a:rPr lang="en-US" sz="1200" dirty="0"/>
-              <a:t>Sets[] }</a:t>
-            </a:r>
-          </a:p>
-          <a:p>
-            <a:pPr marL="1085850" lvl="2" indent="-171450">
-              <a:buFont typeface="Arial" panose="020B0604020202020204" pitchFamily="34" charset="0"/>
-              <a:buChar char="•"/>
-            </a:pPr>
-            <a:r>
-              <a:rPr lang="en-US" sz="1200" dirty="0"/>
-              <a:t>Weight</a:t>
-            </a:r>
-          </a:p>
-          <a:p>
-            <a:pPr marL="1085850" lvl="2" indent="-171450">
-              <a:buFont typeface="Arial" panose="020B0604020202020204" pitchFamily="34" charset="0"/>
-              <a:buChar char="•"/>
-            </a:pPr>
-            <a:r>
-              <a:rPr lang="en-US" sz="1200" dirty="0"/>
-              <a:t>Reps</a:t>
-            </a:r>
-          </a:p>
-          <a:p>
-            <a:endParaRPr lang="en-US" sz="1200" dirty="0"/>
+              <a:t>]</a:t>
+            </a:r>
           </a:p>
         </p:txBody>
       </p:sp>
@@ -3579,7 +3548,7 @@
         </p:nvSpPr>
         <p:spPr>
           <a:xfrm>
-            <a:off x="1049897" y="722376"/>
+            <a:off x="339158" y="722376"/>
             <a:ext cx="1124712" cy="307777"/>
           </a:xfrm>
           <a:prstGeom prst="rect">
@@ -3603,10 +3572,10 @@
       </p:sp>
       <p:sp>
         <p:nvSpPr>
-          <p:cNvPr id="8" name="TextBox 7">
-            <a:extLst>
-              <a:ext uri="{FF2B5EF4-FFF2-40B4-BE49-F238E27FC236}">
-                <a16:creationId xmlns:a16="http://schemas.microsoft.com/office/drawing/2014/main" id="{EB8A556B-6B47-3501-436D-8D6C0733E173}"/>
+          <p:cNvPr id="9" name="TextBox 8">
+            <a:extLst>
+              <a:ext uri="{FF2B5EF4-FFF2-40B4-BE49-F238E27FC236}">
+                <a16:creationId xmlns:a16="http://schemas.microsoft.com/office/drawing/2014/main" id="{A09D12B1-8E85-F3FA-252F-5CF51BC5B2EC}"/>
               </a:ext>
             </a:extLst>
           </p:cNvPr>
@@ -3615,43 +3584,7 @@
         </p:nvSpPr>
         <p:spPr>
           <a:xfrm>
-            <a:off x="6101264" y="722376"/>
-            <a:ext cx="1277944" cy="307777"/>
-          </a:xfrm>
-          <a:prstGeom prst="rect">
-            <a:avLst/>
-          </a:prstGeom>
-          <a:noFill/>
-        </p:spPr>
-        <p:txBody>
-          <a:bodyPr wrap="square" rtlCol="0">
-            <a:spAutoFit/>
-          </a:bodyPr>
-          <a:lstStyle/>
-          <a:p>
-            <a:r>
-              <a:rPr lang="en-US" sz="1400" dirty="0"/>
-              <a:t>Add Workout</a:t>
-            </a:r>
-            <a:endParaRPr lang="en-NL" sz="1200" dirty="0"/>
-          </a:p>
-        </p:txBody>
-      </p:sp>
-      <p:sp>
-        <p:nvSpPr>
-          <p:cNvPr id="9" name="TextBox 8">
-            <a:extLst>
-              <a:ext uri="{FF2B5EF4-FFF2-40B4-BE49-F238E27FC236}">
-                <a16:creationId xmlns:a16="http://schemas.microsoft.com/office/drawing/2014/main" id="{A09D12B1-8E85-F3FA-252F-5CF51BC5B2EC}"/>
-              </a:ext>
-            </a:extLst>
-          </p:cNvPr>
-          <p:cNvSpPr txBox="1"/>
-          <p:nvPr/>
-        </p:nvSpPr>
-        <p:spPr>
-          <a:xfrm>
-            <a:off x="3575580" y="722376"/>
+            <a:off x="3122508" y="731628"/>
             <a:ext cx="1124712" cy="307777"/>
           </a:xfrm>
           <a:prstGeom prst="rect">
@@ -3690,8 +3623,8 @@
         </p:nvCxnSpPr>
         <p:spPr>
           <a:xfrm>
-            <a:off x="2174609" y="876265"/>
-            <a:ext cx="1400971" cy="0"/>
+            <a:off x="1463870" y="876265"/>
+            <a:ext cx="1658638" cy="9252"/>
           </a:xfrm>
           <a:prstGeom prst="straightConnector1">
             <a:avLst/>
@@ -3725,15 +3658,219 @@
             </a:extLst>
           </p:cNvPr>
           <p:cNvCxnSpPr>
+            <a:cxnSpLocks/>
             <a:stCxn id="9" idx="3"/>
-            <a:endCxn id="8" idx="1"/>
+            <a:endCxn id="25" idx="1"/>
           </p:cNvCxnSpPr>
           <p:nvPr/>
         </p:nvCxnSpPr>
         <p:spPr>
+          <a:xfrm flipV="1">
+            <a:off x="4247220" y="873142"/>
+            <a:ext cx="1658639" cy="12375"/>
+          </a:xfrm>
+          <a:prstGeom prst="straightConnector1">
+            <a:avLst/>
+          </a:prstGeom>
+          <a:ln>
+            <a:tailEnd type="triangle"/>
+          </a:ln>
+        </p:spPr>
+        <p:style>
+          <a:lnRef idx="2">
+            <a:schemeClr val="dk1"/>
+          </a:lnRef>
+          <a:fillRef idx="0">
+            <a:schemeClr val="dk1"/>
+          </a:fillRef>
+          <a:effectRef idx="1">
+            <a:schemeClr val="dk1"/>
+          </a:effectRef>
+          <a:fontRef idx="minor">
+            <a:schemeClr val="tx1"/>
+          </a:fontRef>
+        </p:style>
+      </p:cxnSp>
+      <p:sp>
+        <p:nvSpPr>
+          <p:cNvPr id="10" name="TextBox 9">
+            <a:extLst>
+              <a:ext uri="{FF2B5EF4-FFF2-40B4-BE49-F238E27FC236}">
+                <a16:creationId xmlns:a16="http://schemas.microsoft.com/office/drawing/2014/main" id="{54238C27-B3CE-7360-159E-ACACB7D7B87B}"/>
+              </a:ext>
+            </a:extLst>
+          </p:cNvPr>
+          <p:cNvSpPr txBox="1"/>
+          <p:nvPr/>
+        </p:nvSpPr>
+        <p:spPr>
           <a:xfrm>
-            <a:off x="4700292" y="876265"/>
-            <a:ext cx="1400972" cy="0"/>
+            <a:off x="7998001" y="706986"/>
+            <a:ext cx="1975936" cy="307777"/>
+          </a:xfrm>
+          <a:prstGeom prst="rect">
+            <a:avLst/>
+          </a:prstGeom>
+          <a:noFill/>
+        </p:spPr>
+        <p:txBody>
+          <a:bodyPr wrap="square" rtlCol="0">
+            <a:spAutoFit/>
+          </a:bodyPr>
+          <a:lstStyle/>
+          <a:p>
+            <a:r>
+              <a:rPr lang="en-US" sz="1400" dirty="0"/>
+              <a:t>Add Workout Details</a:t>
+            </a:r>
+          </a:p>
+        </p:txBody>
+      </p:sp>
+      <p:sp>
+        <p:nvSpPr>
+          <p:cNvPr id="16" name="Flowchart: Process 15">
+            <a:extLst>
+              <a:ext uri="{FF2B5EF4-FFF2-40B4-BE49-F238E27FC236}">
+                <a16:creationId xmlns:a16="http://schemas.microsoft.com/office/drawing/2014/main" id="{CC25D2B6-8952-181D-51D2-1A25536CB07E}"/>
+              </a:ext>
+            </a:extLst>
+          </p:cNvPr>
+          <p:cNvSpPr/>
+          <p:nvPr/>
+        </p:nvSpPr>
+        <p:spPr>
+          <a:xfrm>
+            <a:off x="7998001" y="1517442"/>
+            <a:ext cx="1732927" cy="1142169"/>
+          </a:xfrm>
+          <a:prstGeom prst="flowChartProcess">
+            <a:avLst/>
+          </a:prstGeom>
+        </p:spPr>
+        <p:style>
+          <a:lnRef idx="2">
+            <a:schemeClr val="dk1"/>
+          </a:lnRef>
+          <a:fillRef idx="1">
+            <a:schemeClr val="lt1"/>
+          </a:fillRef>
+          <a:effectRef idx="0">
+            <a:schemeClr val="dk1"/>
+          </a:effectRef>
+          <a:fontRef idx="minor">
+            <a:schemeClr val="dk1"/>
+          </a:fontRef>
+        </p:style>
+        <p:txBody>
+          <a:bodyPr rtlCol="0" anchor="t"/>
+          <a:lstStyle/>
+          <a:p>
+            <a:pPr algn="ctr"/>
+            <a:r>
+              <a:rPr lang="en-US" sz="1200" b="1" dirty="0" err="1"/>
+              <a:t>WorkoutDetails</a:t>
+            </a:r>
+            <a:endParaRPr lang="en-US" sz="1200" b="1" dirty="0"/>
+          </a:p>
+          <a:p>
+            <a:pPr marL="171450" indent="-171450">
+              <a:buFont typeface="Arial" panose="020B0604020202020204" pitchFamily="34" charset="0"/>
+              <a:buChar char="•"/>
+            </a:pPr>
+            <a:r>
+              <a:rPr lang="en-US" sz="1200" dirty="0" err="1"/>
+              <a:t>ExerciseName</a:t>
+            </a:r>
+            <a:endParaRPr lang="en-US" sz="1200" dirty="0"/>
+          </a:p>
+          <a:p>
+            <a:pPr marL="171450" indent="-171450">
+              <a:buFont typeface="Arial" panose="020B0604020202020204" pitchFamily="34" charset="0"/>
+              <a:buChar char="•"/>
+            </a:pPr>
+            <a:r>
+              <a:rPr lang="en-US" sz="1200" dirty="0"/>
+              <a:t>Sets[]</a:t>
+            </a:r>
+          </a:p>
+          <a:p>
+            <a:pPr marL="628650" lvl="1" indent="-171450">
+              <a:buFont typeface="Arial" panose="020B0604020202020204" pitchFamily="34" charset="0"/>
+              <a:buChar char="•"/>
+            </a:pPr>
+            <a:r>
+              <a:rPr lang="en-US" sz="1200" dirty="0"/>
+              <a:t>{ Weight</a:t>
+            </a:r>
+          </a:p>
+          <a:p>
+            <a:pPr marL="628650" lvl="1" indent="-171450">
+              <a:buFont typeface="Arial" panose="020B0604020202020204" pitchFamily="34" charset="0"/>
+              <a:buChar char="•"/>
+            </a:pPr>
+            <a:r>
+              <a:rPr lang="en-US" sz="1200" dirty="0"/>
+              <a:t>Reps }</a:t>
+            </a:r>
+          </a:p>
+        </p:txBody>
+      </p:sp>
+      <p:sp>
+        <p:nvSpPr>
+          <p:cNvPr id="25" name="TextBox 24">
+            <a:extLst>
+              <a:ext uri="{FF2B5EF4-FFF2-40B4-BE49-F238E27FC236}">
+                <a16:creationId xmlns:a16="http://schemas.microsoft.com/office/drawing/2014/main" id="{A7EFD230-638E-7666-75F3-6ACE403AC08A}"/>
+              </a:ext>
+            </a:extLst>
+          </p:cNvPr>
+          <p:cNvSpPr txBox="1"/>
+          <p:nvPr/>
+        </p:nvSpPr>
+        <p:spPr>
+          <a:xfrm>
+            <a:off x="5905859" y="719253"/>
+            <a:ext cx="1412329" cy="307777"/>
+          </a:xfrm>
+          <a:prstGeom prst="rect">
+            <a:avLst/>
+          </a:prstGeom>
+          <a:noFill/>
+        </p:spPr>
+        <p:txBody>
+          <a:bodyPr wrap="square" rtlCol="0">
+            <a:spAutoFit/>
+          </a:bodyPr>
+          <a:lstStyle/>
+          <a:p>
+            <a:r>
+              <a:rPr lang="en-US" sz="1400" dirty="0"/>
+              <a:t>Select Routine</a:t>
+            </a:r>
+            <a:endParaRPr lang="en-NL" sz="1200" dirty="0"/>
+          </a:p>
+        </p:txBody>
+      </p:sp>
+      <p:cxnSp>
+        <p:nvCxnSpPr>
+          <p:cNvPr id="29" name="Straight Arrow Connector 28">
+            <a:extLst>
+              <a:ext uri="{FF2B5EF4-FFF2-40B4-BE49-F238E27FC236}">
+                <a16:creationId xmlns:a16="http://schemas.microsoft.com/office/drawing/2014/main" id="{D1174E84-9E33-660B-5B14-20250C1E0C79}"/>
+              </a:ext>
+            </a:extLst>
+          </p:cNvPr>
+          <p:cNvCxnSpPr>
+            <a:cxnSpLocks/>
+            <a:stCxn id="25" idx="3"/>
+            <a:endCxn id="10" idx="1"/>
+          </p:cNvCxnSpPr>
+          <p:nvPr/>
+        </p:nvCxnSpPr>
+        <p:spPr>
+          <a:xfrm flipV="1">
+            <a:off x="7318188" y="860875"/>
+            <a:ext cx="679813" cy="12267"/>
           </a:xfrm>
           <a:prstGeom prst="straightConnector1">
             <a:avLst/>
@@ -3759,22 +3896,25 @@
       </p:cxnSp>
       <p:cxnSp>
         <p:nvCxnSpPr>
-          <p:cNvPr id="15" name="Straight Connector 14">
-            <a:extLst>
-              <a:ext uri="{FF2B5EF4-FFF2-40B4-BE49-F238E27FC236}">
-                <a16:creationId xmlns:a16="http://schemas.microsoft.com/office/drawing/2014/main" id="{8AB6CB82-A0CD-074A-F908-F8967BA1A056}"/>
-              </a:ext>
-            </a:extLst>
-          </p:cNvPr>
-          <p:cNvCxnSpPr/>
+          <p:cNvPr id="41" name="Connector: Elbow 40">
+            <a:extLst>
+              <a:ext uri="{FF2B5EF4-FFF2-40B4-BE49-F238E27FC236}">
+                <a16:creationId xmlns:a16="http://schemas.microsoft.com/office/drawing/2014/main" id="{59EFAFE3-D709-6F7D-3543-5B48F060EDE5}"/>
+              </a:ext>
+            </a:extLst>
+          </p:cNvPr>
+          <p:cNvCxnSpPr>
+            <a:stCxn id="7" idx="2"/>
+            <a:endCxn id="4" idx="0"/>
+          </p:cNvCxnSpPr>
           <p:nvPr/>
         </p:nvCxnSpPr>
         <p:spPr>
-          <a:xfrm>
-            <a:off x="1819656" y="2002536"/>
-            <a:ext cx="3867912" cy="0"/>
+          <a:xfrm rot="5400000">
+            <a:off x="616283" y="1315384"/>
+            <a:ext cx="570462" cy="12700"/>
           </a:xfrm>
-          <a:prstGeom prst="line">
+          <a:prstGeom prst="bentConnector3">
             <a:avLst/>
           </a:prstGeom>
           <a:ln w="19050" cap="flat" cmpd="sng" algn="ctr">
@@ -3804,22 +3944,24 @@
       </p:cxnSp>
       <p:cxnSp>
         <p:nvCxnSpPr>
-          <p:cNvPr id="17" name="Connector: Elbow 16">
-            <a:extLst>
-              <a:ext uri="{FF2B5EF4-FFF2-40B4-BE49-F238E27FC236}">
-                <a16:creationId xmlns:a16="http://schemas.microsoft.com/office/drawing/2014/main" id="{ED13B126-B6AB-F985-9E33-1779CDE2BCDA}"/>
+          <p:cNvPr id="42" name="Connector: Elbow 41">
+            <a:extLst>
+              <a:ext uri="{FF2B5EF4-FFF2-40B4-BE49-F238E27FC236}">
+                <a16:creationId xmlns:a16="http://schemas.microsoft.com/office/drawing/2014/main" id="{DBE00B5F-1143-E7AA-A0A2-33CABE194AF2}"/>
               </a:ext>
             </a:extLst>
           </p:cNvPr>
           <p:cNvCxnSpPr>
-            <a:stCxn id="9" idx="2"/>
+            <a:cxnSpLocks/>
+            <a:stCxn id="25" idx="2"/>
+            <a:endCxn id="5" idx="1"/>
           </p:cNvCxnSpPr>
           <p:nvPr/>
         </p:nvCxnSpPr>
         <p:spPr>
           <a:xfrm rot="16200000" flipH="1">
-            <a:off x="4513429" y="654660"/>
-            <a:ext cx="798647" cy="1549632"/>
+            <a:off x="5935501" y="1703553"/>
+            <a:ext cx="2946765" cy="1593718"/>
           </a:xfrm>
           <a:prstGeom prst="bentConnector2">
             <a:avLst/>
@@ -3851,23 +3993,29 @@
       </p:cxnSp>
       <p:cxnSp>
         <p:nvCxnSpPr>
-          <p:cNvPr id="20" name="Connector: Elbow 19">
-            <a:extLst>
-              <a:ext uri="{FF2B5EF4-FFF2-40B4-BE49-F238E27FC236}">
-                <a16:creationId xmlns:a16="http://schemas.microsoft.com/office/drawing/2014/main" id="{C7916303-E8AB-0677-678E-353055B8A656}"/>
-              </a:ext>
-            </a:extLst>
-          </p:cNvPr>
-          <p:cNvCxnSpPr/>
+          <p:cNvPr id="47" name="Connector: Elbow 46">
+            <a:extLst>
+              <a:ext uri="{FF2B5EF4-FFF2-40B4-BE49-F238E27FC236}">
+                <a16:creationId xmlns:a16="http://schemas.microsoft.com/office/drawing/2014/main" id="{C5A418AE-891B-9466-A230-3A120579D65B}"/>
+              </a:ext>
+            </a:extLst>
+          </p:cNvPr>
+          <p:cNvCxnSpPr>
+            <a:cxnSpLocks/>
+            <a:stCxn id="5" idx="0"/>
+            <a:endCxn id="9" idx="2"/>
+          </p:cNvCxnSpPr>
           <p:nvPr/>
         </p:nvCxnSpPr>
         <p:spPr>
-          <a:xfrm>
-            <a:off x="2258568" y="2377440"/>
-            <a:ext cx="3837432" cy="182880"/>
+          <a:xfrm rot="16200000" flipV="1">
+            <a:off x="5343682" y="-619412"/>
+            <a:ext cx="2389595" cy="5707229"/>
           </a:xfrm>
           <a:prstGeom prst="bentConnector3">
-            <a:avLst/>
+            <a:avLst>
+              <a:gd name="adj1" fmla="val 18239"/>
+            </a:avLst>
           </a:prstGeom>
           <a:ln w="19050" cap="flat" cmpd="sng" algn="ctr">
             <a:solidFill>
